--- a/designDoc.pptx
+++ b/designDoc.pptx
@@ -104,6 +104,11 @@
       </a:defRPr>
     </a:lvl9pPr>
   </p:defaultTextStyle>
+  <p:extLst>
+    <p:ext uri="{EFAFB233-063F-42B5-8137-9DF3F51BA10A}">
+      <p15:sldGuideLst xmlns:p15="http://schemas.microsoft.com/office/powerpoint/2012/main"/>
+    </p:ext>
+  </p:extLst>
 </p:presentation>
 </file>
 
@@ -256,7 +261,7 @@
           <a:p>
             <a:fld id="{8A62BBBF-71EE-494B-B99D-0390F5C9F000}" type="datetimeFigureOut">
               <a:rPr lang="en-SG" smtClean="0"/>
-              <a:t>16/9/2023</a:t>
+              <a:t>17/9/2023</a:t>
             </a:fld>
             <a:endParaRPr lang="en-SG"/>
           </a:p>
@@ -456,7 +461,7 @@
           <a:p>
             <a:fld id="{8A62BBBF-71EE-494B-B99D-0390F5C9F000}" type="datetimeFigureOut">
               <a:rPr lang="en-SG" smtClean="0"/>
-              <a:t>16/9/2023</a:t>
+              <a:t>17/9/2023</a:t>
             </a:fld>
             <a:endParaRPr lang="en-SG"/>
           </a:p>
@@ -666,7 +671,7 @@
           <a:p>
             <a:fld id="{8A62BBBF-71EE-494B-B99D-0390F5C9F000}" type="datetimeFigureOut">
               <a:rPr lang="en-SG" smtClean="0"/>
-              <a:t>16/9/2023</a:t>
+              <a:t>17/9/2023</a:t>
             </a:fld>
             <a:endParaRPr lang="en-SG"/>
           </a:p>
@@ -866,7 +871,7 @@
           <a:p>
             <a:fld id="{8A62BBBF-71EE-494B-B99D-0390F5C9F000}" type="datetimeFigureOut">
               <a:rPr lang="en-SG" smtClean="0"/>
-              <a:t>16/9/2023</a:t>
+              <a:t>17/9/2023</a:t>
             </a:fld>
             <a:endParaRPr lang="en-SG"/>
           </a:p>
@@ -1142,7 +1147,7 @@
           <a:p>
             <a:fld id="{8A62BBBF-71EE-494B-B99D-0390F5C9F000}" type="datetimeFigureOut">
               <a:rPr lang="en-SG" smtClean="0"/>
-              <a:t>16/9/2023</a:t>
+              <a:t>17/9/2023</a:t>
             </a:fld>
             <a:endParaRPr lang="en-SG"/>
           </a:p>
@@ -1410,7 +1415,7 @@
           <a:p>
             <a:fld id="{8A62BBBF-71EE-494B-B99D-0390F5C9F000}" type="datetimeFigureOut">
               <a:rPr lang="en-SG" smtClean="0"/>
-              <a:t>16/9/2023</a:t>
+              <a:t>17/9/2023</a:t>
             </a:fld>
             <a:endParaRPr lang="en-SG"/>
           </a:p>
@@ -1825,7 +1830,7 @@
           <a:p>
             <a:fld id="{8A62BBBF-71EE-494B-B99D-0390F5C9F000}" type="datetimeFigureOut">
               <a:rPr lang="en-SG" smtClean="0"/>
-              <a:t>16/9/2023</a:t>
+              <a:t>17/9/2023</a:t>
             </a:fld>
             <a:endParaRPr lang="en-SG"/>
           </a:p>
@@ -1967,7 +1972,7 @@
           <a:p>
             <a:fld id="{8A62BBBF-71EE-494B-B99D-0390F5C9F000}" type="datetimeFigureOut">
               <a:rPr lang="en-SG" smtClean="0"/>
-              <a:t>16/9/2023</a:t>
+              <a:t>17/9/2023</a:t>
             </a:fld>
             <a:endParaRPr lang="en-SG"/>
           </a:p>
@@ -2080,7 +2085,7 @@
           <a:p>
             <a:fld id="{8A62BBBF-71EE-494B-B99D-0390F5C9F000}" type="datetimeFigureOut">
               <a:rPr lang="en-SG" smtClean="0"/>
-              <a:t>16/9/2023</a:t>
+              <a:t>17/9/2023</a:t>
             </a:fld>
             <a:endParaRPr lang="en-SG"/>
           </a:p>
@@ -2393,7 +2398,7 @@
           <a:p>
             <a:fld id="{8A62BBBF-71EE-494B-B99D-0390F5C9F000}" type="datetimeFigureOut">
               <a:rPr lang="en-SG" smtClean="0"/>
-              <a:t>16/9/2023</a:t>
+              <a:t>17/9/2023</a:t>
             </a:fld>
             <a:endParaRPr lang="en-SG"/>
           </a:p>
@@ -2682,7 +2687,7 @@
           <a:p>
             <a:fld id="{8A62BBBF-71EE-494B-B99D-0390F5C9F000}" type="datetimeFigureOut">
               <a:rPr lang="en-SG" smtClean="0"/>
-              <a:t>16/9/2023</a:t>
+              <a:t>17/9/2023</a:t>
             </a:fld>
             <a:endParaRPr lang="en-SG"/>
           </a:p>
@@ -2925,7 +2930,7 @@
           <a:p>
             <a:fld id="{8A62BBBF-71EE-494B-B99D-0390F5C9F000}" type="datetimeFigureOut">
               <a:rPr lang="en-SG" smtClean="0"/>
-              <a:t>16/9/2023</a:t>
+              <a:t>17/9/2023</a:t>
             </a:fld>
             <a:endParaRPr lang="en-SG"/>
           </a:p>
@@ -3387,20 +3392,12 @@
           <a:lstStyle/>
           <a:p>
             <a:r>
-              <a:rPr lang="en-US" sz="1200" b="1" dirty="0" err="1">
-                <a:solidFill>
-                  <a:schemeClr val="tx1"/>
-                </a:solidFill>
-              </a:rPr>
-              <a:t>FashChat</a:t>
-            </a:r>
-            <a:r>
               <a:rPr lang="en-US" sz="1200" b="1" dirty="0">
                 <a:solidFill>
                   <a:schemeClr val="tx1"/>
                 </a:solidFill>
               </a:rPr>
-              <a:t> lead board page </a:t>
+              <a:t>Fast Chat lead board page </a:t>
             </a:r>
             <a:endParaRPr lang="en-SG" sz="1200" b="1" dirty="0">
               <a:solidFill>
@@ -4395,12 +4392,20 @@
               <a:t>llm</a:t>
             </a:r>
             <a:r>
+              <a:rPr lang="en-US" sz="1200" b="1">
+                <a:solidFill>
+                  <a:schemeClr val="tx1"/>
+                </a:solidFill>
+              </a:rPr>
+              <a:t> modules </a:t>
+            </a:r>
+            <a:r>
               <a:rPr lang="en-US" sz="1200" b="1" dirty="0">
                 <a:solidFill>
                   <a:schemeClr val="tx1"/>
                 </a:solidFill>
               </a:rPr>
-              <a:t> module individual page html</a:t>
+              <a:t>individual page html</a:t>
             </a:r>
             <a:endParaRPr lang="en-SG" sz="1200" b="1" dirty="0">
               <a:solidFill>
